--- a/Playing Together.pptx
+++ b/Playing Together.pptx
@@ -4478,7 +4478,7 @@
             </a:r>
             <a:r>
               <a:rPr lang="fr-FR" dirty="0" err="1"/>
-              <a:t>game</a:t>
+              <a:t>games</a:t>
             </a:r>
             <a:r>
               <a:rPr lang="fr-FR" dirty="0"/>
@@ -4559,7 +4559,7 @@
             </a:pPr>
             <a:r>
               <a:rPr lang="fr-FR" i="1" dirty="0" err="1"/>
-              <a:t>Clickables</a:t>
+              <a:t>Clickable</a:t>
             </a:r>
             <a:r>
               <a:rPr lang="fr-FR" i="1" dirty="0"/>
@@ -4575,7 +4575,7 @@
             </a:r>
             <a:r>
               <a:rPr lang="fr-FR" i="1" dirty="0" err="1"/>
-              <a:t>events</a:t>
+              <a:t>event</a:t>
             </a:r>
             <a:r>
               <a:rPr lang="fr-FR" i="1" dirty="0"/>
@@ -4623,7 +4623,7 @@
             </a:pPr>
             <a:r>
               <a:rPr lang="fr-FR" i="1" dirty="0"/>
-              <a:t>An Game information box </a:t>
+              <a:t>A Game information box </a:t>
             </a:r>
             <a:r>
               <a:rPr lang="fr-FR" i="1" dirty="0" err="1"/>
@@ -4737,13 +4737,13 @@
   <p:clrMapOvr>
     <a:masterClrMapping/>
   </p:clrMapOvr>
-  <mc:AlternateContent xmlns:mc="http://schemas.openxmlformats.org/markup-compatibility/2006">
-    <mc:Choice xmlns:p14="http://schemas.microsoft.com/office/powerpoint/2010/main" Requires="p14">
+  <mc:AlternateContent xmlns:mc="http://schemas.openxmlformats.org/markup-compatibility/2006" xmlns:p14="http://schemas.microsoft.com/office/powerpoint/2010/main">
+    <mc:Choice Requires="p14">
       <p:transition spd="med" p14:dur="700">
         <p:fade/>
       </p:transition>
     </mc:Choice>
-    <mc:Fallback>
+    <mc:Fallback xmlns="">
       <p:transition spd="med">
         <p:fade/>
       </p:transition>
@@ -4974,7 +4974,7 @@
             </a:r>
             <a:r>
               <a:rPr lang="fr-FR" i="1" dirty="0" err="1"/>
-              <a:t>adress</a:t>
+              <a:t>address</a:t>
             </a:r>
             <a:r>
               <a:rPr lang="fr-FR" i="1" dirty="0"/>
@@ -4982,7 +4982,7 @@
             </a:r>
             <a:r>
               <a:rPr lang="fr-FR" i="1" dirty="0" err="1"/>
-              <a:t>localize</a:t>
+              <a:t>localizes</a:t>
             </a:r>
             <a:r>
               <a:rPr lang="fr-FR" i="1" dirty="0"/>
@@ -4996,7 +4996,7 @@
             </a:pPr>
             <a:r>
               <a:rPr lang="fr-FR" i="1" dirty="0"/>
-              <a:t>An date and </a:t>
+              <a:t>A date and </a:t>
             </a:r>
             <a:r>
               <a:rPr lang="fr-FR" i="1" dirty="0" err="1"/>
@@ -5131,13 +5131,13 @@
   <p:clrMapOvr>
     <a:masterClrMapping/>
   </p:clrMapOvr>
-  <mc:AlternateContent xmlns:mc="http://schemas.openxmlformats.org/markup-compatibility/2006">
-    <mc:Choice xmlns:p14="http://schemas.microsoft.com/office/powerpoint/2010/main" Requires="p14">
+  <mc:AlternateContent xmlns:mc="http://schemas.openxmlformats.org/markup-compatibility/2006" xmlns:p14="http://schemas.microsoft.com/office/powerpoint/2010/main">
+    <mc:Choice Requires="p14">
       <p:transition spd="med" p14:dur="700">
         <p:fade/>
       </p:transition>
     </mc:Choice>
-    <mc:Fallback>
+    <mc:Fallback xmlns="">
       <p:transition spd="med">
         <p:fade/>
       </p:transition>
@@ -5282,7 +5282,7 @@
             </a:r>
             <a:r>
               <a:rPr lang="fr-FR" dirty="0" err="1"/>
-              <a:t>participating</a:t>
+              <a:t>registered</a:t>
             </a:r>
             <a:r>
               <a:rPr lang="fr-FR" dirty="0"/>
@@ -5445,13 +5445,13 @@
   <p:clrMapOvr>
     <a:masterClrMapping/>
   </p:clrMapOvr>
-  <mc:AlternateContent xmlns:mc="http://schemas.openxmlformats.org/markup-compatibility/2006">
-    <mc:Choice xmlns:p14="http://schemas.microsoft.com/office/powerpoint/2010/main" Requires="p14">
+  <mc:AlternateContent xmlns:mc="http://schemas.openxmlformats.org/markup-compatibility/2006" xmlns:p14="http://schemas.microsoft.com/office/powerpoint/2010/main">
+    <mc:Choice Requires="p14">
       <p:transition spd="med" p14:dur="700">
         <p:fade/>
       </p:transition>
     </mc:Choice>
-    <mc:Fallback>
+    <mc:Fallback xmlns="">
       <p:transition spd="med">
         <p:fade/>
       </p:transition>
@@ -5628,7 +5628,7 @@
             </a:pPr>
             <a:r>
               <a:rPr lang="fr-FR" i="1" dirty="0"/>
-              <a:t>An </a:t>
+              <a:t>A </a:t>
             </a:r>
             <a:r>
               <a:rPr lang="fr-FR" i="1" dirty="0" err="1"/>
@@ -5715,13 +5715,13 @@
   <p:clrMapOvr>
     <a:masterClrMapping/>
   </p:clrMapOvr>
-  <mc:AlternateContent xmlns:mc="http://schemas.openxmlformats.org/markup-compatibility/2006">
-    <mc:Choice xmlns:p14="http://schemas.microsoft.com/office/powerpoint/2010/main" Requires="p14">
+  <mc:AlternateContent xmlns:mc="http://schemas.openxmlformats.org/markup-compatibility/2006" xmlns:p14="http://schemas.microsoft.com/office/powerpoint/2010/main">
+    <mc:Choice Requires="p14">
       <p:transition spd="med" p14:dur="700">
         <p:fade/>
       </p:transition>
     </mc:Choice>
-    <mc:Fallback>
+    <mc:Fallback xmlns="">
       <p:transition spd="med">
         <p:fade/>
       </p:transition>
@@ -5810,8 +5810,8 @@
         </p:nvSpPr>
         <p:spPr>
           <a:xfrm>
-            <a:off x="846808" y="1782884"/>
-            <a:ext cx="5760640" cy="4343400"/>
+            <a:off x="695400" y="2204864"/>
+            <a:ext cx="5912048" cy="3302300"/>
           </a:xfrm>
         </p:spPr>
         <p:txBody>
@@ -5905,8 +5905,56 @@
             </a:r>
             <a:r>
               <a:rPr lang="fr-FR" dirty="0" err="1"/>
-              <a:t>event</a:t>
-            </a:r>
+              <a:t>events</a:t>
+            </a:r>
+            <a:endParaRPr lang="fr-FR" dirty="0"/>
+          </a:p>
+          <a:p>
+            <a:r>
+              <a:rPr lang="fr-FR" dirty="0" err="1"/>
+              <a:t>Possibility</a:t>
+            </a:r>
+            <a:r>
+              <a:rPr lang="fr-FR" dirty="0"/>
+              <a:t> for </a:t>
+            </a:r>
+            <a:r>
+              <a:rPr lang="fr-FR" dirty="0" err="1"/>
+              <a:t>creator</a:t>
+            </a:r>
+            <a:r>
+              <a:rPr lang="fr-FR" dirty="0"/>
+              <a:t> of </a:t>
+            </a:r>
+            <a:r>
+              <a:rPr lang="fr-FR" dirty="0" err="1"/>
+              <a:t>events</a:t>
+            </a:r>
+            <a:r>
+              <a:rPr lang="fr-FR" dirty="0"/>
+              <a:t> to </a:t>
+            </a:r>
+            <a:r>
+              <a:rPr lang="fr-FR" dirty="0" err="1"/>
+              <a:t>delete</a:t>
+            </a:r>
+            <a:r>
+              <a:rPr lang="fr-FR" dirty="0"/>
+              <a:t> </a:t>
+            </a:r>
+            <a:r>
+              <a:rPr lang="fr-FR" dirty="0" err="1"/>
+              <a:t>them</a:t>
+            </a:r>
+            <a:endParaRPr lang="fr-FR" dirty="0"/>
+          </a:p>
+          <a:p>
+            <a:endParaRPr lang="fr-FR" dirty="0"/>
+          </a:p>
+          <a:p>
+            <a:endParaRPr lang="fr-FR" dirty="0"/>
+          </a:p>
+          <a:p>
             <a:endParaRPr lang="fr-FR" dirty="0"/>
           </a:p>
           <a:p>
@@ -5972,13 +6020,13 @@
   <p:clrMapOvr>
     <a:masterClrMapping/>
   </p:clrMapOvr>
-  <mc:AlternateContent xmlns:mc="http://schemas.openxmlformats.org/markup-compatibility/2006">
-    <mc:Choice xmlns:p14="http://schemas.microsoft.com/office/powerpoint/2010/main" Requires="p14">
+  <mc:AlternateContent xmlns:mc="http://schemas.openxmlformats.org/markup-compatibility/2006" xmlns:p14="http://schemas.microsoft.com/office/powerpoint/2010/main">
+    <mc:Choice Requires="p14">
       <p:transition spd="med" p14:dur="700">
         <p:fade/>
       </p:transition>
     </mc:Choice>
-    <mc:Fallback>
+    <mc:Fallback xmlns="">
       <p:transition spd="med">
         <p:fade/>
       </p:transition>
@@ -6591,12 +6639,14 @@
 </file>
 
 <file path=customXml/item1.xml><?xml version="1.0" encoding="utf-8"?>
-<?mso-contentType ?>
-<FormTemplates xmlns="http://schemas.microsoft.com/sharepoint/v3/contenttype/forms">
-  <Display>DocumentLibraryForm</Display>
-  <Edit>DocumentLibraryForm</Edit>
-  <New>DocumentLibraryForm</New>
-</FormTemplates>
+<p:properties xmlns:p="http://schemas.microsoft.com/office/2006/metadata/properties" xmlns:xsi="http://www.w3.org/2001/XMLSchema-instance" xmlns:pc="http://schemas.microsoft.com/office/infopath/2007/PartnerControls">
+  <documentManagement>
+    <VSO_x0020_item_x0020_id xmlns="40262f94-9f35-4ac3-9a90-690165a166b7" xsi:nil="true"/>
+    <Assetid_x0020_ xmlns="40262f94-9f35-4ac3-9a90-690165a166b7" xsi:nil="true"/>
+    <Item_x0020_Details xmlns="40262f94-9f35-4ac3-9a90-690165a166b7" xsi:nil="true"/>
+    <Template_x0020_details xmlns="40262f94-9f35-4ac3-9a90-690165a166b7" xsi:nil="true"/>
+  </documentManagement>
+</p:properties>
 </file>
 
 <file path=customXml/item2.xml><?xml version="1.0" encoding="utf-8"?>
@@ -6781,20 +6831,27 @@
 </file>
 
 <file path=customXml/item3.xml><?xml version="1.0" encoding="utf-8"?>
-<p:properties xmlns:p="http://schemas.microsoft.com/office/2006/metadata/properties" xmlns:xsi="http://www.w3.org/2001/XMLSchema-instance" xmlns:pc="http://schemas.microsoft.com/office/infopath/2007/PartnerControls">
-  <documentManagement>
-    <VSO_x0020_item_x0020_id xmlns="40262f94-9f35-4ac3-9a90-690165a166b7" xsi:nil="true"/>
-    <Assetid_x0020_ xmlns="40262f94-9f35-4ac3-9a90-690165a166b7" xsi:nil="true"/>
-    <Item_x0020_Details xmlns="40262f94-9f35-4ac3-9a90-690165a166b7" xsi:nil="true"/>
-    <Template_x0020_details xmlns="40262f94-9f35-4ac3-9a90-690165a166b7" xsi:nil="true"/>
-  </documentManagement>
-</p:properties>
+<?mso-contentType ?>
+<FormTemplates xmlns="http://schemas.microsoft.com/sharepoint/v3/contenttype/forms">
+  <Display>DocumentLibraryForm</Display>
+  <Edit>DocumentLibraryForm</Edit>
+  <New>DocumentLibraryForm</New>
+</FormTemplates>
 </file>
 
 <file path=customXml/itemProps1.xml><?xml version="1.0" encoding="utf-8"?>
-<ds:datastoreItem xmlns:ds="http://schemas.openxmlformats.org/officeDocument/2006/customXml" ds:itemID="{48E42578-9CD4-4AFF-AA5E-F33052F6B6A6}">
+<ds:datastoreItem xmlns:ds="http://schemas.openxmlformats.org/officeDocument/2006/customXml" ds:itemID="{91DDEFBA-1D7E-4587-9763-EBF5A6740E9A}">
   <ds:schemaRefs>
-    <ds:schemaRef ds:uri="http://schemas.microsoft.com/sharepoint/v3/contenttype/forms"/>
+    <ds:schemaRef ds:uri="http://schemas.microsoft.com/office/2006/documentManagement/types"/>
+    <ds:schemaRef ds:uri="http://schemas.microsoft.com/office/2006/metadata/properties"/>
+    <ds:schemaRef ds:uri="http://purl.org/dc/terms/"/>
+    <ds:schemaRef ds:uri="http://schemas.openxmlformats.org/package/2006/metadata/core-properties"/>
+    <ds:schemaRef ds:uri="http://purl.org/dc/dcmitype/"/>
+    <ds:schemaRef ds:uri="http://schemas.microsoft.com/office/infopath/2007/PartnerControls"/>
+    <ds:schemaRef ds:uri="40262f94-9f35-4ac3-9a90-690165a166b7"/>
+    <ds:schemaRef ds:uri="a4f35948-e619-41b3-aa29-22878b09cfd2"/>
+    <ds:schemaRef ds:uri="http://www.w3.org/XML/1998/namespace"/>
+    <ds:schemaRef ds:uri="http://purl.org/dc/elements/1.1/"/>
   </ds:schemaRefs>
 </ds:datastoreItem>
 </file>
@@ -6819,18 +6876,9 @@
 </file>
 
 <file path=customXml/itemProps3.xml><?xml version="1.0" encoding="utf-8"?>
-<ds:datastoreItem xmlns:ds="http://schemas.openxmlformats.org/officeDocument/2006/customXml" ds:itemID="{91DDEFBA-1D7E-4587-9763-EBF5A6740E9A}">
+<ds:datastoreItem xmlns:ds="http://schemas.openxmlformats.org/officeDocument/2006/customXml" ds:itemID="{48E42578-9CD4-4AFF-AA5E-F33052F6B6A6}">
   <ds:schemaRefs>
-    <ds:schemaRef ds:uri="http://schemas.microsoft.com/office/2006/documentManagement/types"/>
-    <ds:schemaRef ds:uri="http://schemas.microsoft.com/office/2006/metadata/properties"/>
-    <ds:schemaRef ds:uri="http://purl.org/dc/terms/"/>
-    <ds:schemaRef ds:uri="http://schemas.openxmlformats.org/package/2006/metadata/core-properties"/>
-    <ds:schemaRef ds:uri="http://purl.org/dc/dcmitype/"/>
-    <ds:schemaRef ds:uri="http://schemas.microsoft.com/office/infopath/2007/PartnerControls"/>
-    <ds:schemaRef ds:uri="40262f94-9f35-4ac3-9a90-690165a166b7"/>
-    <ds:schemaRef ds:uri="a4f35948-e619-41b3-aa29-22878b09cfd2"/>
-    <ds:schemaRef ds:uri="http://www.w3.org/XML/1998/namespace"/>
-    <ds:schemaRef ds:uri="http://purl.org/dc/elements/1.1/"/>
+    <ds:schemaRef ds:uri="http://schemas.microsoft.com/sharepoint/v3/contenttype/forms"/>
   </ds:schemaRefs>
 </ds:datastoreItem>
 </file>